--- a/Source Code/Documents/Preaention.pptx
+++ b/Source Code/Documents/Preaention.pptx
@@ -211,7 +211,7 @@
           <a:p>
             <a:fld id="{A7DA1150-7FFB-4742-A1EB-CAFA1A8B6EAC}" type="datetimeFigureOut">
               <a:rPr lang="en-US" smtClean="0"/>
-              <a:t>12/10/2019</a:t>
+              <a:t>12/11/2019</a:t>
             </a:fld>
             <a:endParaRPr lang="en-US"/>
           </a:p>
@@ -873,7 +873,7 @@
           <a:p>
             <a:fld id="{E1CC510F-F8B8-45B6-A771-DBA6887DCFC7}" type="datetimeFigureOut">
               <a:rPr lang="en-US" smtClean="0"/>
-              <a:t>12/10/2019</a:t>
+              <a:t>12/11/2019</a:t>
             </a:fld>
             <a:endParaRPr lang="en-US"/>
           </a:p>
@@ -1081,7 +1081,7 @@
           <a:p>
             <a:fld id="{E1CC510F-F8B8-45B6-A771-DBA6887DCFC7}" type="datetimeFigureOut">
               <a:rPr lang="en-US" smtClean="0"/>
-              <a:t>12/10/2019</a:t>
+              <a:t>12/11/2019</a:t>
             </a:fld>
             <a:endParaRPr lang="en-US"/>
           </a:p>
@@ -1337,7 +1337,7 @@
           <a:p>
             <a:fld id="{E1CC510F-F8B8-45B6-A771-DBA6887DCFC7}" type="datetimeFigureOut">
               <a:rPr lang="en-US" smtClean="0"/>
-              <a:t>12/10/2019</a:t>
+              <a:t>12/11/2019</a:t>
             </a:fld>
             <a:endParaRPr lang="en-US"/>
           </a:p>
@@ -1529,7 +1529,7 @@
           <a:p>
             <a:fld id="{E1CC510F-F8B8-45B6-A771-DBA6887DCFC7}" type="datetimeFigureOut">
               <a:rPr lang="en-US" smtClean="0"/>
-              <a:t>12/10/2019</a:t>
+              <a:t>12/11/2019</a:t>
             </a:fld>
             <a:endParaRPr lang="en-US"/>
           </a:p>
@@ -1699,7 +1699,7 @@
           <a:p>
             <a:fld id="{E1CC510F-F8B8-45B6-A771-DBA6887DCFC7}" type="datetimeFigureOut">
               <a:rPr lang="en-US" smtClean="0"/>
-              <a:t>12/10/2019</a:t>
+              <a:t>12/11/2019</a:t>
             </a:fld>
             <a:endParaRPr lang="en-US"/>
           </a:p>
@@ -1945,7 +1945,7 @@
           <a:p>
             <a:fld id="{E1CC510F-F8B8-45B6-A771-DBA6887DCFC7}" type="datetimeFigureOut">
               <a:rPr lang="en-US" smtClean="0"/>
-              <a:t>12/10/2019</a:t>
+              <a:t>12/11/2019</a:t>
             </a:fld>
             <a:endParaRPr lang="en-US"/>
           </a:p>
@@ -2177,7 +2177,7 @@
           <a:p>
             <a:fld id="{E1CC510F-F8B8-45B6-A771-DBA6887DCFC7}" type="datetimeFigureOut">
               <a:rPr lang="en-US" smtClean="0"/>
-              <a:t>12/10/2019</a:t>
+              <a:t>12/11/2019</a:t>
             </a:fld>
             <a:endParaRPr lang="en-US"/>
           </a:p>
@@ -2544,7 +2544,7 @@
           <a:p>
             <a:fld id="{E1CC510F-F8B8-45B6-A771-DBA6887DCFC7}" type="datetimeFigureOut">
               <a:rPr lang="en-US" smtClean="0"/>
-              <a:t>12/10/2019</a:t>
+              <a:t>12/11/2019</a:t>
             </a:fld>
             <a:endParaRPr lang="en-US"/>
           </a:p>
@@ -2662,7 +2662,7 @@
           <a:p>
             <a:fld id="{E1CC510F-F8B8-45B6-A771-DBA6887DCFC7}" type="datetimeFigureOut">
               <a:rPr lang="en-US" smtClean="0"/>
-              <a:t>12/10/2019</a:t>
+              <a:t>12/11/2019</a:t>
             </a:fld>
             <a:endParaRPr lang="en-US"/>
           </a:p>
@@ -2757,7 +2757,7 @@
           <a:p>
             <a:fld id="{E1CC510F-F8B8-45B6-A771-DBA6887DCFC7}" type="datetimeFigureOut">
               <a:rPr lang="en-US" smtClean="0"/>
-              <a:t>12/10/2019</a:t>
+              <a:t>12/11/2019</a:t>
             </a:fld>
             <a:endParaRPr lang="en-US"/>
           </a:p>
@@ -3034,7 +3034,7 @@
           <a:p>
             <a:fld id="{E1CC510F-F8B8-45B6-A771-DBA6887DCFC7}" type="datetimeFigureOut">
               <a:rPr lang="en-US" smtClean="0"/>
-              <a:t>12/10/2019</a:t>
+              <a:t>12/11/2019</a:t>
             </a:fld>
             <a:endParaRPr lang="en-US"/>
           </a:p>
@@ -3208,7 +3208,7 @@
           <a:p>
             <a:fld id="{E1CC510F-F8B8-45B6-A771-DBA6887DCFC7}" type="datetimeFigureOut">
               <a:rPr lang="en-US" smtClean="0"/>
-              <a:t>12/10/2019</a:t>
+              <a:t>12/11/2019</a:t>
             </a:fld>
             <a:endParaRPr lang="en-US"/>
           </a:p>
@@ -3461,7 +3461,7 @@
           <a:p>
             <a:fld id="{E1CC510F-F8B8-45B6-A771-DBA6887DCFC7}" type="datetimeFigureOut">
               <a:rPr lang="en-US" smtClean="0"/>
-              <a:t>12/10/2019</a:t>
+              <a:t>12/11/2019</a:t>
             </a:fld>
             <a:endParaRPr lang="en-US"/>
           </a:p>
@@ -3631,7 +3631,7 @@
           <a:p>
             <a:fld id="{E1CC510F-F8B8-45B6-A771-DBA6887DCFC7}" type="datetimeFigureOut">
               <a:rPr lang="en-US" smtClean="0"/>
-              <a:t>12/10/2019</a:t>
+              <a:t>12/11/2019</a:t>
             </a:fld>
             <a:endParaRPr lang="en-US"/>
           </a:p>
@@ -3811,7 +3811,7 @@
           <a:p>
             <a:fld id="{E1CC510F-F8B8-45B6-A771-DBA6887DCFC7}" type="datetimeFigureOut">
               <a:rPr lang="en-US" smtClean="0"/>
-              <a:t>12/10/2019</a:t>
+              <a:t>12/11/2019</a:t>
             </a:fld>
             <a:endParaRPr lang="en-US"/>
           </a:p>
@@ -4154,7 +4154,7 @@
           <a:p>
             <a:fld id="{E1CC510F-F8B8-45B6-A771-DBA6887DCFC7}" type="datetimeFigureOut">
               <a:rPr lang="en-US" smtClean="0"/>
-              <a:t>12/10/2019</a:t>
+              <a:t>12/11/2019</a:t>
             </a:fld>
             <a:endParaRPr lang="en-US"/>
           </a:p>
@@ -4429,7 +4429,7 @@
           <a:p>
             <a:fld id="{E1CC510F-F8B8-45B6-A771-DBA6887DCFC7}" type="datetimeFigureOut">
               <a:rPr lang="en-US" smtClean="0"/>
-              <a:t>12/10/2019</a:t>
+              <a:t>12/11/2019</a:t>
             </a:fld>
             <a:endParaRPr lang="en-US"/>
           </a:p>
@@ -4808,7 +4808,7 @@
           <a:p>
             <a:fld id="{E1CC510F-F8B8-45B6-A771-DBA6887DCFC7}" type="datetimeFigureOut">
               <a:rPr lang="en-US" smtClean="0"/>
-              <a:t>12/10/2019</a:t>
+              <a:t>12/11/2019</a:t>
             </a:fld>
             <a:endParaRPr lang="en-US"/>
           </a:p>
@@ -4926,7 +4926,7 @@
           <a:p>
             <a:fld id="{E1CC510F-F8B8-45B6-A771-DBA6887DCFC7}" type="datetimeFigureOut">
               <a:rPr lang="en-US" smtClean="0"/>
-              <a:t>12/10/2019</a:t>
+              <a:t>12/11/2019</a:t>
             </a:fld>
             <a:endParaRPr lang="en-US"/>
           </a:p>
@@ -5097,7 +5097,7 @@
           <a:p>
             <a:fld id="{E1CC510F-F8B8-45B6-A771-DBA6887DCFC7}" type="datetimeFigureOut">
               <a:rPr lang="en-US" smtClean="0"/>
-              <a:t>12/10/2019</a:t>
+              <a:t>12/11/2019</a:t>
             </a:fld>
             <a:endParaRPr lang="en-US"/>
           </a:p>
@@ -5451,7 +5451,7 @@
           <a:p>
             <a:fld id="{E1CC510F-F8B8-45B6-A771-DBA6887DCFC7}" type="datetimeFigureOut">
               <a:rPr lang="en-US" smtClean="0"/>
-              <a:t>12/10/2019</a:t>
+              <a:t>12/11/2019</a:t>
             </a:fld>
             <a:endParaRPr lang="en-US"/>
           </a:p>
@@ -5833,7 +5833,7 @@
           <a:p>
             <a:fld id="{E1CC510F-F8B8-45B6-A771-DBA6887DCFC7}" type="datetimeFigureOut">
               <a:rPr lang="en-US" smtClean="0"/>
-              <a:t>12/10/2019</a:t>
+              <a:t>12/11/2019</a:t>
             </a:fld>
             <a:endParaRPr lang="en-US"/>
           </a:p>
@@ -6120,7 +6120,7 @@
           <a:p>
             <a:fld id="{E1CC510F-F8B8-45B6-A771-DBA6887DCFC7}" type="datetimeFigureOut">
               <a:rPr lang="en-US" smtClean="0"/>
-              <a:t>12/10/2019</a:t>
+              <a:t>12/11/2019</a:t>
             </a:fld>
             <a:endParaRPr lang="en-US"/>
           </a:p>
@@ -6779,7 +6779,7 @@
           <a:p>
             <a:fld id="{E1CC510F-F8B8-45B6-A771-DBA6887DCFC7}" type="datetimeFigureOut">
               <a:rPr lang="en-US" smtClean="0"/>
-              <a:t>12/10/2019</a:t>
+              <a:t>12/11/2019</a:t>
             </a:fld>
             <a:endParaRPr lang="en-US"/>
           </a:p>
@@ -7218,12 +7218,6 @@
               </a:rPr>
               <a:t>Core </a:t>
             </a:r>
-            <a:r>
-              <a:rPr lang="en-US" sz="4800" smtClean="0">
-                <a:latin typeface="+mn-lt"/>
-              </a:rPr>
-              <a:t/>
-            </a:r>
             <a:br>
               <a:rPr lang="en-US" sz="4800" smtClean="0">
                 <a:latin typeface="+mn-lt"/>
@@ -7246,12 +7240,6 @@
                 <a:latin typeface="+mn-lt"/>
               </a:rPr>
               <a:t>giá </a:t>
-            </a:r>
-            <a:r>
-              <a:rPr lang="en-US" sz="4800" smtClean="0">
-                <a:latin typeface="+mn-lt"/>
-              </a:rPr>
-              <a:t/>
             </a:r>
             <a:br>
               <a:rPr lang="en-US" sz="4800" smtClean="0">
@@ -7316,11 +7304,7 @@
             </a:r>
             <a:r>
               <a:rPr lang="en-US" sz="2000" b="1" smtClean="0"/>
-              <a:t>Thanh </a:t>
-            </a:r>
-            <a:r>
-              <a:rPr lang="en-US" sz="2000" b="1" smtClean="0"/>
-              <a:t>Nam - </a:t>
+              <a:t>Thanh Nam - </a:t>
             </a:r>
             <a:r>
               <a:rPr lang="en-US" sz="2000" b="1" dirty="0" smtClean="0"/>
@@ -7335,11 +7319,7 @@
             </a:r>
             <a:r>
               <a:rPr lang="en-US" sz="2000" b="1" smtClean="0"/>
-              <a:t>Thiên </a:t>
-            </a:r>
-            <a:r>
-              <a:rPr lang="en-US" sz="2000" b="1" smtClean="0"/>
-              <a:t>Quốc - </a:t>
+              <a:t>Thiên Quốc - </a:t>
             </a:r>
             <a:r>
               <a:rPr lang="en-US" sz="2000" b="1" dirty="0" smtClean="0"/>
@@ -7364,7 +7344,7 @@
         <p:spPr>
           <a:xfrm>
             <a:off x="0" y="4458350"/>
-            <a:ext cx="6357831" cy="461665"/>
+            <a:ext cx="7071808" cy="830997"/>
           </a:xfrm>
           <a:prstGeom prst="rect">
             <a:avLst/>
@@ -7378,11 +7358,66 @@
           <a:lstStyle/>
           <a:p>
             <a:r>
+              <a:rPr lang="en-US" sz="2400">
+                <a:latin typeface="Arial" panose="020B0604020202020204" pitchFamily="34" charset="0"/>
+                <a:cs typeface="Arial" panose="020B0604020202020204" pitchFamily="34" charset="0"/>
+              </a:rPr>
+              <a:t>Giáo </a:t>
+            </a:r>
+            <a:r>
+              <a:rPr lang="en-US" sz="2400">
+                <a:latin typeface="Arial" panose="020B0604020202020204" pitchFamily="34" charset="0"/>
+                <a:cs typeface="Arial" panose="020B0604020202020204" pitchFamily="34" charset="0"/>
+              </a:rPr>
+              <a:t>viên </a:t>
+            </a:r>
+            <a:r>
+              <a:rPr lang="en-US" sz="2400" smtClean="0">
+                <a:latin typeface="Arial" panose="020B0604020202020204" pitchFamily="34" charset="0"/>
+                <a:cs typeface="Arial" panose="020B0604020202020204" pitchFamily="34" charset="0"/>
+              </a:rPr>
+              <a:t>hướng dẫn: </a:t>
+            </a:r>
+            <a:r>
+              <a:rPr lang="en-US" sz="2400" b="1" smtClean="0">
+                <a:latin typeface="Arial" panose="020B0604020202020204" pitchFamily="34" charset="0"/>
+                <a:cs typeface="Arial" panose="020B0604020202020204" pitchFamily="34" charset="0"/>
+              </a:rPr>
+              <a:t>ThS</a:t>
+            </a:r>
+            <a:r>
+              <a:rPr lang="en-US" sz="2400" b="1">
+                <a:latin typeface="Arial" panose="020B0604020202020204" pitchFamily="34" charset="0"/>
+                <a:cs typeface="Arial" panose="020B0604020202020204" pitchFamily="34" charset="0"/>
+              </a:rPr>
+              <a:t>. </a:t>
+            </a:r>
+            <a:r>
+              <a:rPr lang="en-US" sz="2400" b="1" smtClean="0">
+                <a:latin typeface="Arial" panose="020B0604020202020204" pitchFamily="34" charset="0"/>
+                <a:cs typeface="Arial" panose="020B0604020202020204" pitchFamily="34" charset="0"/>
+              </a:rPr>
+              <a:t>Nguyễn Trần Thi Văn</a:t>
+            </a:r>
+            <a:endParaRPr lang="en-US" sz="2400" smtClean="0">
+              <a:latin typeface="Arial" panose="020B0604020202020204" pitchFamily="34" charset="0"/>
+              <a:cs typeface="Arial" panose="020B0604020202020204" pitchFamily="34" charset="0"/>
+            </a:endParaRPr>
+          </a:p>
+          <a:p>
+            <a:r>
+              <a:rPr lang="en-US" sz="2400" smtClean="0">
+                <a:latin typeface="Arial" panose="020B0604020202020204" pitchFamily="34" charset="0"/>
+                <a:cs typeface="Arial" panose="020B0604020202020204" pitchFamily="34" charset="0"/>
+              </a:rPr>
+              <a:t>Giáo </a:t>
+            </a:r>
+            <a:r>
               <a:rPr lang="en-US" sz="2400" dirty="0" err="1">
                 <a:latin typeface="Arial" panose="020B0604020202020204" pitchFamily="34" charset="0"/>
                 <a:cs typeface="Arial" panose="020B0604020202020204" pitchFamily="34" charset="0"/>
               </a:rPr>
-              <a:t>Giáo</a:t>
+              <a:t>viên</a:t>
             </a:r>
             <a:r>
               <a:rPr lang="en-US" sz="2400" dirty="0">
@@ -7396,7 +7431,7 @@
                 <a:latin typeface="Arial" panose="020B0604020202020204" pitchFamily="34" charset="0"/>
                 <a:cs typeface="Arial" panose="020B0604020202020204" pitchFamily="34" charset="0"/>
               </a:rPr>
-              <a:t>viên</a:t>
+              <a:t>phản</a:t>
             </a:r>
             <a:r>
               <a:rPr lang="en-US" sz="2400" dirty="0">
@@ -7410,35 +7445,42 @@
                 <a:latin typeface="Arial" panose="020B0604020202020204" pitchFamily="34" charset="0"/>
                 <a:cs typeface="Arial" panose="020B0604020202020204" pitchFamily="34" charset="0"/>
               </a:rPr>
-              <a:t>phản</a:t>
-            </a:r>
-            <a:r>
-              <a:rPr lang="en-US" sz="2400" dirty="0">
+              <a:t>biện</a:t>
+            </a:r>
+            <a:r>
+              <a:rPr lang="en-US" sz="2400">
+                <a:latin typeface="Arial" panose="020B0604020202020204" pitchFamily="34" charset="0"/>
+                <a:cs typeface="Arial" panose="020B0604020202020204" pitchFamily="34" charset="0"/>
+              </a:rPr>
+              <a:t>: </a:t>
+            </a:r>
+            <a:r>
+              <a:rPr lang="en-US" sz="2400">
                 <a:latin typeface="Arial" panose="020B0604020202020204" pitchFamily="34" charset="0"/>
                 <a:cs typeface="Arial" panose="020B0604020202020204" pitchFamily="34" charset="0"/>
               </a:rPr>
               <a:t> </a:t>
             </a:r>
             <a:r>
-              <a:rPr lang="en-US" sz="2400" dirty="0" err="1">
+              <a:rPr lang="en-US" sz="2400" smtClean="0">
                 <a:latin typeface="Arial" panose="020B0604020202020204" pitchFamily="34" charset="0"/>
                 <a:cs typeface="Arial" panose="020B0604020202020204" pitchFamily="34" charset="0"/>
               </a:rPr>
-              <a:t>biện</a:t>
-            </a:r>
-            <a:r>
-              <a:rPr lang="en-US" sz="2400" dirty="0">
+              <a:t> </a:t>
+            </a:r>
+            <a:r>
+              <a:rPr lang="en-US" sz="2400" b="1" smtClean="0">
                 <a:latin typeface="Arial" panose="020B0604020202020204" pitchFamily="34" charset="0"/>
                 <a:cs typeface="Arial" panose="020B0604020202020204" pitchFamily="34" charset="0"/>
               </a:rPr>
-              <a:t>: </a:t>
+              <a:t>TS</a:t>
             </a:r>
             <a:r>
               <a:rPr lang="en-US" sz="2400" b="1" dirty="0">
                 <a:latin typeface="Arial" panose="020B0604020202020204" pitchFamily="34" charset="0"/>
                 <a:cs typeface="Arial" panose="020B0604020202020204" pitchFamily="34" charset="0"/>
               </a:rPr>
-              <a:t>TS. Nguyễn </a:t>
+              <a:t>. Nguyễn </a:t>
             </a:r>
             <a:r>
               <a:rPr lang="en-US" sz="2400" b="1" dirty="0" err="1">
@@ -7650,13 +7692,13 @@
   <p:clrMapOvr>
     <a:masterClrMapping/>
   </p:clrMapOvr>
-  <mc:AlternateContent xmlns:mc="http://schemas.openxmlformats.org/markup-compatibility/2006">
-    <mc:Choice xmlns:p15="http://schemas.microsoft.com/office/powerpoint/2012/main" Requires="p15">
+  <mc:AlternateContent xmlns:mc="http://schemas.openxmlformats.org/markup-compatibility/2006" xmlns:p15="http://schemas.microsoft.com/office/powerpoint/2012/main">
+    <mc:Choice Requires="p15">
       <p:transition xmlns:p14="http://schemas.microsoft.com/office/powerpoint/2010/main" spd="slow" p14:dur="2000">
         <p15:prstTrans prst="prestige"/>
       </p:transition>
     </mc:Choice>
-    <mc:Fallback>
+    <mc:Fallback xmlns="">
       <p:transition spd="slow">
         <p:fade/>
       </p:transition>
@@ -7723,13 +7765,13 @@
   <p:clrMapOvr>
     <a:masterClrMapping/>
   </p:clrMapOvr>
-  <mc:AlternateContent xmlns:mc="http://schemas.openxmlformats.org/markup-compatibility/2006">
-    <mc:Choice xmlns:p14="http://schemas.microsoft.com/office/powerpoint/2010/main" Requires="p14">
+  <mc:AlternateContent xmlns:mc="http://schemas.openxmlformats.org/markup-compatibility/2006" xmlns:p14="http://schemas.microsoft.com/office/powerpoint/2010/main">
+    <mc:Choice Requires="p14">
       <p:transition spd="slow" p14:dur="1300">
         <p14:pan/>
       </p:transition>
     </mc:Choice>
-    <mc:Fallback>
+    <mc:Fallback xmlns="">
       <p:transition spd="slow">
         <p:fade/>
       </p:transition>
@@ -7796,13 +7838,13 @@
   <p:clrMapOvr>
     <a:masterClrMapping/>
   </p:clrMapOvr>
-  <mc:AlternateContent xmlns:mc="http://schemas.openxmlformats.org/markup-compatibility/2006">
-    <mc:Choice xmlns:p14="http://schemas.microsoft.com/office/powerpoint/2010/main" Requires="p14">
+  <mc:AlternateContent xmlns:mc="http://schemas.openxmlformats.org/markup-compatibility/2006" xmlns:p14="http://schemas.microsoft.com/office/powerpoint/2010/main">
+    <mc:Choice Requires="p14">
       <p:transition spd="slow" p14:dur="1300">
         <p14:pan/>
       </p:transition>
     </mc:Choice>
-    <mc:Fallback>
+    <mc:Fallback xmlns="">
       <p:transition spd="slow">
         <p:fade/>
       </p:transition>
@@ -7869,13 +7911,13 @@
   <p:clrMapOvr>
     <a:masterClrMapping/>
   </p:clrMapOvr>
-  <mc:AlternateContent xmlns:mc="http://schemas.openxmlformats.org/markup-compatibility/2006">
-    <mc:Choice xmlns:p14="http://schemas.microsoft.com/office/powerpoint/2010/main" Requires="p14">
+  <mc:AlternateContent xmlns:mc="http://schemas.openxmlformats.org/markup-compatibility/2006" xmlns:p14="http://schemas.microsoft.com/office/powerpoint/2010/main">
+    <mc:Choice Requires="p14">
       <p:transition spd="slow" p14:dur="1300">
         <p14:pan/>
       </p:transition>
     </mc:Choice>
-    <mc:Fallback>
+    <mc:Fallback xmlns="">
       <p:transition spd="slow">
         <p:fade/>
       </p:transition>
@@ -7979,11 +8021,7 @@
             </a:r>
             <a:r>
               <a:rPr lang="en-US" sz="2400" smtClean="0"/>
-              <a:t>chia </a:t>
-            </a:r>
-            <a:r>
-              <a:rPr lang="en-US" sz="2400" smtClean="0"/>
-              <a:t>sẻ, tương tác cung – cầu,…</a:t>
+              <a:t>chia sẻ, tương tác cung – cầu,…</a:t>
             </a:r>
             <a:endParaRPr lang="en-US" sz="2400" dirty="0" smtClean="0"/>
           </a:p>
@@ -8061,13 +8099,13 @@
   <p:clrMapOvr>
     <a:masterClrMapping/>
   </p:clrMapOvr>
-  <mc:AlternateContent xmlns:mc="http://schemas.openxmlformats.org/markup-compatibility/2006">
-    <mc:Choice xmlns:p14="http://schemas.microsoft.com/office/powerpoint/2010/main" Requires="p14">
+  <mc:AlternateContent xmlns:mc="http://schemas.openxmlformats.org/markup-compatibility/2006" xmlns:p14="http://schemas.microsoft.com/office/powerpoint/2010/main">
+    <mc:Choice Requires="p14">
       <p:transition spd="slow" p14:dur="1300">
         <p14:pan/>
       </p:transition>
     </mc:Choice>
-    <mc:Fallback>
+    <mc:Fallback xmlns="">
       <p:transition spd="slow">
         <p:fade/>
       </p:transition>
@@ -8140,13 +8178,13 @@
   <p:clrMapOvr>
     <a:masterClrMapping/>
   </p:clrMapOvr>
-  <mc:AlternateContent xmlns:mc="http://schemas.openxmlformats.org/markup-compatibility/2006">
-    <mc:Choice xmlns:p15="http://schemas.microsoft.com/office/powerpoint/2012/main" Requires="p15">
+  <mc:AlternateContent xmlns:mc="http://schemas.openxmlformats.org/markup-compatibility/2006" xmlns:p15="http://schemas.microsoft.com/office/powerpoint/2012/main">
+    <mc:Choice Requires="p15">
       <p:transition xmlns:p14="http://schemas.microsoft.com/office/powerpoint/2010/main" spd="slow" p14:dur="2000">
         <p15:prstTrans prst="drape"/>
       </p:transition>
     </mc:Choice>
-    <mc:Fallback>
+    <mc:Fallback xmlns="">
       <p:transition spd="slow">
         <p:fade/>
       </p:transition>
@@ -8315,13 +8353,13 @@
   <p:clrMapOvr>
     <a:masterClrMapping/>
   </p:clrMapOvr>
-  <mc:AlternateContent xmlns:mc="http://schemas.openxmlformats.org/markup-compatibility/2006">
-    <mc:Choice xmlns:p14="http://schemas.microsoft.com/office/powerpoint/2010/main" Requires="p14">
+  <mc:AlternateContent xmlns:mc="http://schemas.openxmlformats.org/markup-compatibility/2006" xmlns:p14="http://schemas.microsoft.com/office/powerpoint/2010/main">
+    <mc:Choice Requires="p14">
       <p:transition spd="slow" p14:dur="1300">
         <p14:pan/>
       </p:transition>
     </mc:Choice>
-    <mc:Fallback>
+    <mc:Fallback xmlns="">
       <p:transition spd="slow">
         <p:fade/>
       </p:transition>
@@ -8467,13 +8505,13 @@
   <p:clrMapOvr>
     <a:masterClrMapping/>
   </p:clrMapOvr>
-  <mc:AlternateContent xmlns:mc="http://schemas.openxmlformats.org/markup-compatibility/2006">
-    <mc:Choice xmlns:p14="http://schemas.microsoft.com/office/powerpoint/2010/main" Requires="p14">
+  <mc:AlternateContent xmlns:mc="http://schemas.openxmlformats.org/markup-compatibility/2006" xmlns:p14="http://schemas.microsoft.com/office/powerpoint/2010/main">
+    <mc:Choice Requires="p14">
       <p:transition spd="slow" p14:dur="1300">
         <p14:pan/>
       </p:transition>
     </mc:Choice>
-    <mc:Fallback>
+    <mc:Fallback xmlns="">
       <p:transition spd="slow">
         <p:fade/>
       </p:transition>
@@ -8528,11 +8566,7 @@
           <a:p>
             <a:r>
               <a:rPr lang="en-US"/>
-              <a:t>Giải quyết Machine </a:t>
-            </a:r>
-            <a:r>
-              <a:rPr lang="en-US"/>
-              <a:t>Learning </a:t>
+              <a:t>Giải quyết Machine Learning </a:t>
             </a:r>
             <a:r>
               <a:rPr lang="en-US" smtClean="0"/>
@@ -8666,13 +8700,13 @@
   <p:clrMapOvr>
     <a:masterClrMapping/>
   </p:clrMapOvr>
-  <mc:AlternateContent xmlns:mc="http://schemas.openxmlformats.org/markup-compatibility/2006">
-    <mc:Choice xmlns:p14="http://schemas.microsoft.com/office/powerpoint/2010/main" Requires="p14">
+  <mc:AlternateContent xmlns:mc="http://schemas.openxmlformats.org/markup-compatibility/2006" xmlns:p14="http://schemas.microsoft.com/office/powerpoint/2010/main">
+    <mc:Choice Requires="p14">
       <p:transition spd="slow" p14:dur="1300">
         <p14:pan/>
       </p:transition>
     </mc:Choice>
-    <mc:Fallback>
+    <mc:Fallback xmlns="">
       <p:transition spd="slow">
         <p:fade/>
       </p:transition>
@@ -8821,13 +8855,13 @@
   <p:clrMapOvr>
     <a:masterClrMapping/>
   </p:clrMapOvr>
-  <mc:AlternateContent xmlns:mc="http://schemas.openxmlformats.org/markup-compatibility/2006">
-    <mc:Choice xmlns:p14="http://schemas.microsoft.com/office/powerpoint/2010/main" Requires="p14">
+  <mc:AlternateContent xmlns:mc="http://schemas.openxmlformats.org/markup-compatibility/2006" xmlns:p14="http://schemas.microsoft.com/office/powerpoint/2010/main">
+    <mc:Choice Requires="p14">
       <p:transition spd="slow" p14:dur="1300">
         <p14:pan/>
       </p:transition>
     </mc:Choice>
-    <mc:Fallback>
+    <mc:Fallback xmlns="">
       <p:transition spd="slow">
         <p:fade/>
       </p:transition>
@@ -8988,13 +9022,13 @@
   <p:clrMapOvr>
     <a:masterClrMapping/>
   </p:clrMapOvr>
-  <mc:AlternateContent xmlns:mc="http://schemas.openxmlformats.org/markup-compatibility/2006">
-    <mc:Choice xmlns:p14="http://schemas.microsoft.com/office/powerpoint/2010/main" Requires="p14">
+  <mc:AlternateContent xmlns:mc="http://schemas.openxmlformats.org/markup-compatibility/2006" xmlns:p14="http://schemas.microsoft.com/office/powerpoint/2010/main">
+    <mc:Choice Requires="p14">
       <p:transition spd="slow" p14:dur="1300">
         <p14:pan/>
       </p:transition>
     </mc:Choice>
-    <mc:Fallback>
+    <mc:Fallback xmlns="">
       <p:transition spd="slow">
         <p:fade/>
       </p:transition>
@@ -10225,13 +10259,13 @@
   <p:clrMapOvr>
     <a:masterClrMapping/>
   </p:clrMapOvr>
-  <mc:AlternateContent xmlns:mc="http://schemas.openxmlformats.org/markup-compatibility/2006">
-    <mc:Choice xmlns:p14="http://schemas.microsoft.com/office/powerpoint/2010/main" Requires="p14">
+  <mc:AlternateContent xmlns:mc="http://schemas.openxmlformats.org/markup-compatibility/2006" xmlns:p14="http://schemas.microsoft.com/office/powerpoint/2010/main">
+    <mc:Choice Requires="p14">
       <p:transition spd="slow" p14:dur="1300">
         <p14:pan/>
       </p:transition>
     </mc:Choice>
-    <mc:Fallback>
+    <mc:Fallback xmlns="">
       <p:transition spd="slow">
         <p:fade/>
       </p:transition>
@@ -10298,13 +10332,13 @@
   <p:clrMapOvr>
     <a:masterClrMapping/>
   </p:clrMapOvr>
-  <mc:AlternateContent xmlns:mc="http://schemas.openxmlformats.org/markup-compatibility/2006">
-    <mc:Choice xmlns:p14="http://schemas.microsoft.com/office/powerpoint/2010/main" Requires="p14">
+  <mc:AlternateContent xmlns:mc="http://schemas.openxmlformats.org/markup-compatibility/2006" xmlns:p14="http://schemas.microsoft.com/office/powerpoint/2010/main">
+    <mc:Choice Requires="p14">
       <p:transition spd="slow" p14:dur="1300">
         <p14:pan/>
       </p:transition>
     </mc:Choice>
-    <mc:Fallback>
+    <mc:Fallback xmlns="">
       <p:transition spd="slow">
         <p:fade/>
       </p:transition>
@@ -10371,13 +10405,13 @@
   <p:clrMapOvr>
     <a:masterClrMapping/>
   </p:clrMapOvr>
-  <mc:AlternateContent xmlns:mc="http://schemas.openxmlformats.org/markup-compatibility/2006">
-    <mc:Choice xmlns:p14="http://schemas.microsoft.com/office/powerpoint/2010/main" Requires="p14">
+  <mc:AlternateContent xmlns:mc="http://schemas.openxmlformats.org/markup-compatibility/2006" xmlns:p14="http://schemas.microsoft.com/office/powerpoint/2010/main">
+    <mc:Choice Requires="p14">
       <p:transition spd="slow" p14:dur="1300">
         <p14:pan/>
       </p:transition>
     </mc:Choice>
-    <mc:Fallback>
+    <mc:Fallback xmlns="">
       <p:transition spd="slow">
         <p:fade/>
       </p:transition>
